--- a/Using GitHub to Manage Your Scholarly Work.pptx
+++ b/Using GitHub to Manage Your Scholarly Work.pptx
@@ -3803,7 +3803,11 @@
             </a:pPr>
             <a:r>
               <a:rPr lang="en-US" sz="2600" dirty="0" smtClean="0"/>
-              <a:t>Clone or Fork= </a:t>
+              <a:t>Clone or </a:t>
+            </a:r>
+            <a:r>
+              <a:rPr lang="en-US" sz="2600" dirty="0" smtClean="0"/>
+              <a:t>Fork = </a:t>
             </a:r>
             <a:r>
               <a:rPr lang="en-US" sz="2600" dirty="0"/>
@@ -4540,11 +4544,7 @@
             </a:pPr>
             <a:r>
               <a:rPr lang="en-US" sz="2600" dirty="0"/>
-              <a:t>Clone or Fork = </a:t>
-            </a:r>
-            <a:r>
-              <a:rPr lang="en-US" sz="2600" dirty="0"/>
-              <a:t>copy a repository</a:t>
+              <a:t>Clone or Fork = copy a repository</a:t>
             </a:r>
           </a:p>
           <a:p>
@@ -4920,11 +4920,7 @@
             </a:pPr>
             <a:r>
               <a:rPr lang="en-US" sz="2600" dirty="0"/>
-              <a:t>Clone or Fork = </a:t>
-            </a:r>
-            <a:r>
-              <a:rPr lang="en-US" sz="2600" dirty="0"/>
-              <a:t>copy a repository</a:t>
+              <a:t>Clone or Fork = copy a repository</a:t>
             </a:r>
           </a:p>
           <a:p>
@@ -5283,11 +5279,7 @@
             </a:pPr>
             <a:r>
               <a:rPr lang="en-US" sz="2600" dirty="0"/>
-              <a:t>Clone or Fork = </a:t>
-            </a:r>
-            <a:r>
-              <a:rPr lang="en-US" sz="2600" dirty="0"/>
-              <a:t>copy a repository</a:t>
+              <a:t>Clone or Fork = copy a repository</a:t>
             </a:r>
           </a:p>
           <a:p>
@@ -5631,7 +5623,7 @@
       </p:grpSpPr>
       <p:pic>
         <p:nvPicPr>
-          <p:cNvPr id="2" name="Picture 1"/>
+          <p:cNvPr id="3" name="Picture 2"/>
           <p:cNvPicPr>
             <a:picLocks noChangeAspect="1"/>
           </p:cNvPicPr>
@@ -5651,8 +5643,8 @@
         </p:blipFill>
         <p:spPr>
           <a:xfrm>
-            <a:off x="381000" y="772512"/>
-            <a:ext cx="8382000" cy="5780688"/>
+            <a:off x="381000" y="731218"/>
+            <a:ext cx="8382000" cy="5821982"/>
           </a:xfrm>
           <a:prstGeom prst="rect">
             <a:avLst/>
@@ -5689,7 +5681,19 @@
             <a:pPr algn="ctr"/>
             <a:r>
               <a:rPr lang="en-US" sz="2000" dirty="0" smtClean="0"/>
-              <a:t>The “Pull requests” tab inside a repository</a:t>
+              <a:t>The </a:t>
+            </a:r>
+            <a:r>
+              <a:rPr lang="en-US" sz="2000" dirty="0" smtClean="0"/>
+              <a:t>“Branch” menu inside </a:t>
+            </a:r>
+            <a:r>
+              <a:rPr lang="en-US" sz="2000" dirty="0" smtClean="0"/>
+              <a:t>a </a:t>
+            </a:r>
+            <a:r>
+              <a:rPr lang="en-US" sz="2000" dirty="0" smtClean="0"/>
+              <a:t>repository; “master” branch is currently checked</a:t>
             </a:r>
             <a:endParaRPr lang="en-US" sz="2000" dirty="0"/>
           </a:p>
@@ -5703,11 +5707,13 @@
         </p:nvSpPr>
         <p:spPr>
           <a:xfrm>
-            <a:off x="2209800" y="1066800"/>
-            <a:ext cx="1143000" cy="685800"/>
+            <a:off x="397726" y="2590800"/>
+            <a:ext cx="2650273" cy="1981200"/>
           </a:xfrm>
           <a:prstGeom prst="roundRect">
-            <a:avLst/>
+            <a:avLst>
+              <a:gd name="adj" fmla="val 5691"/>
+            </a:avLst>
           </a:prstGeom>
           <a:noFill/>
           <a:ln w="38100">
@@ -5748,9 +5754,9 @@
           <p:nvPr/>
         </p:nvCxnSpPr>
         <p:spPr>
-          <a:xfrm flipH="1" flipV="1">
-            <a:off x="3337932" y="1752600"/>
-            <a:ext cx="685800" cy="1091115"/>
+          <a:xfrm flipH="1">
+            <a:off x="1303761" y="1600200"/>
+            <a:ext cx="838201" cy="1122894"/>
           </a:xfrm>
           <a:prstGeom prst="straightConnector1">
             <a:avLst/>
@@ -5937,7 +5943,7 @@
             </a:r>
             <a:r>
               <a:rPr lang="en-US" sz="3200" dirty="0" smtClean="0"/>
-              <a:t>the command line</a:t>
+              <a:t>your computer’s command line interface</a:t>
             </a:r>
             <a:endParaRPr lang="en-US" sz="3200" dirty="0" smtClean="0">
               <a:solidFill>
@@ -5985,7 +5991,7 @@
         </p:nvSpPr>
         <p:spPr>
           <a:xfrm>
-            <a:off x="-712" y="990600"/>
+            <a:off x="-712" y="228600"/>
             <a:ext cx="9144000" cy="769441"/>
           </a:xfrm>
           <a:prstGeom prst="rect">
@@ -6024,8 +6030,8 @@
         </p:nvSpPr>
         <p:spPr>
           <a:xfrm>
-            <a:off x="762000" y="1905000"/>
-            <a:ext cx="8001000" cy="3785652"/>
+            <a:off x="762000" y="1143000"/>
+            <a:ext cx="8001000" cy="5262979"/>
           </a:xfrm>
           <a:prstGeom prst="rect">
             <a:avLst/>
@@ -6047,14 +6053,14 @@
               <a:t>GitHub </a:t>
             </a:r>
             <a:r>
-              <a:rPr lang="en-US" sz="2400" dirty="0"/>
-              <a:t>desktop application</a:t>
+              <a:rPr lang="en-US" sz="2400" dirty="0" smtClean="0"/>
+              <a:t>FAQ</a:t>
             </a:r>
             <a:br>
-              <a:rPr lang="en-US" sz="2400" dirty="0"/>
+              <a:rPr lang="en-US" sz="2400" dirty="0" smtClean="0"/>
             </a:br>
             <a:r>
-              <a:rPr lang="en-US" sz="2400" dirty="0">
+              <a:rPr lang="en-US" sz="2400" dirty="0" smtClean="0">
                 <a:hlinkClick r:id="rId2"/>
               </a:rPr>
               <a:t>https://</a:t>
@@ -6063,8 +6069,21 @@
               <a:rPr lang="en-US" sz="2400" dirty="0" smtClean="0">
                 <a:hlinkClick r:id="rId2"/>
               </a:rPr>
-              <a:t>desktop.github.com</a:t>
-            </a:r>
+              <a:t>help</a:t>
+            </a:r>
+            <a:r>
+              <a:rPr lang="en-US" sz="2400" dirty="0" smtClean="0">
+                <a:hlinkClick r:id="rId2"/>
+              </a:rPr>
+              <a:t>.github.com</a:t>
+            </a:r>
+            <a:r>
+              <a:rPr lang="en-US" sz="2400" dirty="0" smtClean="0"/>
+              <a:t/>
+            </a:r>
+            <a:br>
+              <a:rPr lang="en-US" sz="2400" dirty="0" smtClean="0"/>
+            </a:br>
             <a:endParaRPr lang="en-US" sz="2400" dirty="0"/>
           </a:p>
           <a:p>
@@ -6074,7 +6093,15 @@
             </a:pPr>
             <a:r>
               <a:rPr lang="en-US" sz="2400" dirty="0" smtClean="0"/>
-              <a:t>GitHub help FAQ</a:t>
+              <a:t>GitHub </a:t>
+            </a:r>
+            <a:r>
+              <a:rPr lang="en-US" sz="2400" dirty="0"/>
+              <a:t>G</a:t>
+            </a:r>
+            <a:r>
+              <a:rPr lang="en-US" sz="2400" dirty="0" smtClean="0"/>
+              <a:t>uides</a:t>
             </a:r>
             <a:r>
               <a:rPr lang="en-US" sz="2400" dirty="0"/>
@@ -6093,8 +6120,15 @@
               <a:rPr lang="en-US" sz="2400" dirty="0" smtClean="0">
                 <a:hlinkClick r:id="rId3"/>
               </a:rPr>
-              <a:t>help.github.com</a:t>
-            </a:r>
+              <a:t>guides.github.com</a:t>
+            </a:r>
+            <a:r>
+              <a:rPr lang="en-US" sz="2400" dirty="0" smtClean="0"/>
+              <a:t/>
+            </a:r>
+            <a:br>
+              <a:rPr lang="en-US" sz="2400" dirty="0" smtClean="0"/>
+            </a:br>
             <a:endParaRPr lang="en-US" sz="2400" dirty="0" smtClean="0"/>
           </a:p>
           <a:p>
@@ -6125,6 +6159,13 @@
               </a:rPr>
               <a:t>www.youtube.com/user/GitHubGuides</a:t>
             </a:r>
+            <a:r>
+              <a:rPr lang="en-US" sz="2400" dirty="0" smtClean="0"/>
+              <a:t/>
+            </a:r>
+            <a:br>
+              <a:rPr lang="en-US" sz="2400" dirty="0" smtClean="0"/>
+            </a:br>
             <a:endParaRPr lang="en-US" sz="2400" dirty="0" smtClean="0"/>
           </a:p>
           <a:p>
@@ -6159,6 +6200,13 @@
               </a:rPr>
               <a:t>pages.github.com</a:t>
             </a:r>
+            <a:r>
+              <a:rPr lang="en-US" sz="2400" dirty="0" smtClean="0"/>
+              <a:t/>
+            </a:r>
+            <a:br>
+              <a:rPr lang="en-US" sz="2400" dirty="0" smtClean="0"/>
+            </a:br>
             <a:endParaRPr lang="en-US" sz="2400" dirty="0" smtClean="0"/>
           </a:p>
           <a:p>
@@ -6171,7 +6219,7 @@
               <a:t>Git</a:t>
             </a:r>
             <a:r>
-              <a:rPr lang="en-US" sz="2400" dirty="0"/>
+              <a:rPr lang="en-US" sz="2400" dirty="0" smtClean="0"/>
               <a:t> </a:t>
             </a:r>
             <a:r>
@@ -7169,11 +7217,7 @@
             </a:r>
             <a:r>
               <a:rPr lang="en-US" sz="2600" dirty="0"/>
-              <a:t>= </a:t>
-            </a:r>
-            <a:r>
-              <a:rPr lang="en-US" sz="2600" dirty="0"/>
-              <a:t>individual project workspace/directory/folder</a:t>
+              <a:t>= individual project workspace/directory/folder</a:t>
             </a:r>
           </a:p>
           <a:p>

--- a/Using GitHub to Manage Your Scholarly Work.pptx
+++ b/Using GitHub to Manage Your Scholarly Work.pptx
@@ -4,8 +4,11 @@
   <p:sldMasterIdLst>
     <p:sldMasterId id="2147483648" r:id="rId1"/>
   </p:sldMasterIdLst>
+  <p:notesMasterIdLst>
+    <p:notesMasterId r:id="rId25"/>
+  </p:notesMasterIdLst>
   <p:handoutMasterIdLst>
-    <p:handoutMasterId r:id="rId25"/>
+    <p:handoutMasterId r:id="rId26"/>
   </p:handoutMasterIdLst>
   <p:sldIdLst>
     <p:sldId id="256" r:id="rId2"/>
@@ -197,6 +200,10 @@
             </a:lvl1pPr>
           </a:lstStyle>
           <a:p>
+            <a:r>
+              <a:rPr lang="en-US" smtClean="0"/>
+              <a:t>Using GitHub.com to Manage Scholarly Work</a:t>
+            </a:r>
             <a:endParaRPr lang="en-US"/>
           </a:p>
         </p:txBody>
@@ -228,10 +235,6 @@
             </a:lvl1pPr>
           </a:lstStyle>
           <a:p>
-            <a:fld id="{E71F3853-F395-4D73-A1A0-4A9404D01A92}" type="datetimeFigureOut">
-              <a:rPr lang="en-US" smtClean="0"/>
-              <a:t>3/8/17</a:t>
-            </a:fld>
             <a:endParaRPr lang="en-US"/>
           </a:p>
         </p:txBody>
@@ -263,6 +266,10 @@
             </a:lvl1pPr>
           </a:lstStyle>
           <a:p>
+            <a:r>
+              <a:rPr lang="en-US" smtClean="0"/>
+              <a:t>Health Sciences &amp; Human Services Library</a:t>
+            </a:r>
             <a:endParaRPr lang="en-US"/>
           </a:p>
         </p:txBody>
@@ -310,7 +317,512 @@
     </p:extLst>
   </p:cSld>
   <p:clrMap bg1="lt1" tx1="dk1" bg2="lt2" tx2="dk2" accent1="accent1" accent2="accent2" accent3="accent3" accent4="accent4" accent5="accent5" accent6="accent6" hlink="hlink" folHlink="folHlink"/>
+  <p:hf/>
 </p:handoutMaster>
+</file>
+
+<file path=ppt/notesMasters/notesMaster1.xml><?xml version="1.0" encoding="utf-8"?>
+<p:notesMaster xmlns:a="http://schemas.openxmlformats.org/drawingml/2006/main" xmlns:r="http://schemas.openxmlformats.org/officeDocument/2006/relationships" xmlns:p="http://schemas.openxmlformats.org/presentationml/2006/main">
+  <p:cSld>
+    <p:bg>
+      <p:bgRef idx="1001">
+        <a:schemeClr val="bg1"/>
+      </p:bgRef>
+    </p:bg>
+    <p:spTree>
+      <p:nvGrpSpPr>
+        <p:cNvPr id="1" name=""/>
+        <p:cNvGrpSpPr/>
+        <p:nvPr/>
+      </p:nvGrpSpPr>
+      <p:grpSpPr>
+        <a:xfrm>
+          <a:off x="0" y="0"/>
+          <a:ext cx="0" cy="0"/>
+          <a:chOff x="0" y="0"/>
+          <a:chExt cx="0" cy="0"/>
+        </a:xfrm>
+      </p:grpSpPr>
+      <p:sp>
+        <p:nvSpPr>
+          <p:cNvPr id="2" name="Header Placeholder 1"/>
+          <p:cNvSpPr>
+            <a:spLocks noGrp="1"/>
+          </p:cNvSpPr>
+          <p:nvPr>
+            <p:ph type="hdr" sz="quarter"/>
+          </p:nvPr>
+        </p:nvSpPr>
+        <p:spPr>
+          <a:xfrm>
+            <a:off x="0" y="0"/>
+            <a:ext cx="3038475" cy="466725"/>
+          </a:xfrm>
+          <a:prstGeom prst="rect">
+            <a:avLst/>
+          </a:prstGeom>
+        </p:spPr>
+        <p:txBody>
+          <a:bodyPr vert="horz" lIns="91440" tIns="45720" rIns="91440" bIns="45720" rtlCol="0"/>
+          <a:lstStyle>
+            <a:lvl1pPr algn="l">
+              <a:defRPr sz="1200"/>
+            </a:lvl1pPr>
+          </a:lstStyle>
+          <a:p>
+            <a:r>
+              <a:rPr lang="en-US" smtClean="0"/>
+              <a:t>Using GitHub.com to Manage Scholarly Work</a:t>
+            </a:r>
+            <a:endParaRPr lang="en-US"/>
+          </a:p>
+        </p:txBody>
+      </p:sp>
+      <p:sp>
+        <p:nvSpPr>
+          <p:cNvPr id="3" name="Date Placeholder 2"/>
+          <p:cNvSpPr>
+            <a:spLocks noGrp="1"/>
+          </p:cNvSpPr>
+          <p:nvPr>
+            <p:ph type="dt" idx="1"/>
+          </p:nvPr>
+        </p:nvSpPr>
+        <p:spPr>
+          <a:xfrm>
+            <a:off x="3970338" y="0"/>
+            <a:ext cx="3038475" cy="466725"/>
+          </a:xfrm>
+          <a:prstGeom prst="rect">
+            <a:avLst/>
+          </a:prstGeom>
+        </p:spPr>
+        <p:txBody>
+          <a:bodyPr vert="horz" lIns="91440" tIns="45720" rIns="91440" bIns="45720" rtlCol="0"/>
+          <a:lstStyle>
+            <a:lvl1pPr algn="r">
+              <a:defRPr sz="1200"/>
+            </a:lvl1pPr>
+          </a:lstStyle>
+          <a:p>
+            <a:endParaRPr lang="en-US"/>
+          </a:p>
+        </p:txBody>
+      </p:sp>
+      <p:sp>
+        <p:nvSpPr>
+          <p:cNvPr id="4" name="Slide Image Placeholder 3"/>
+          <p:cNvSpPr>
+            <a:spLocks noGrp="1" noRot="1" noChangeAspect="1"/>
+          </p:cNvSpPr>
+          <p:nvPr>
+            <p:ph type="sldImg" idx="2"/>
+          </p:nvPr>
+        </p:nvSpPr>
+        <p:spPr>
+          <a:xfrm>
+            <a:off x="1414463" y="1162050"/>
+            <a:ext cx="4181475" cy="3136900"/>
+          </a:xfrm>
+          <a:prstGeom prst="rect">
+            <a:avLst/>
+          </a:prstGeom>
+          <a:noFill/>
+          <a:ln w="12700">
+            <a:solidFill>
+              <a:prstClr val="black"/>
+            </a:solidFill>
+          </a:ln>
+        </p:spPr>
+        <p:txBody>
+          <a:bodyPr vert="horz" lIns="91440" tIns="45720" rIns="91440" bIns="45720" rtlCol="0" anchor="ctr"/>
+          <a:lstStyle/>
+          <a:p>
+            <a:endParaRPr lang="en-US"/>
+          </a:p>
+        </p:txBody>
+      </p:sp>
+      <p:sp>
+        <p:nvSpPr>
+          <p:cNvPr id="5" name="Notes Placeholder 4"/>
+          <p:cNvSpPr>
+            <a:spLocks noGrp="1"/>
+          </p:cNvSpPr>
+          <p:nvPr>
+            <p:ph type="body" sz="quarter" idx="3"/>
+          </p:nvPr>
+        </p:nvSpPr>
+        <p:spPr>
+          <a:xfrm>
+            <a:off x="701675" y="4473575"/>
+            <a:ext cx="5607050" cy="3660775"/>
+          </a:xfrm>
+          <a:prstGeom prst="rect">
+            <a:avLst/>
+          </a:prstGeom>
+        </p:spPr>
+        <p:txBody>
+          <a:bodyPr vert="horz" lIns="91440" tIns="45720" rIns="91440" bIns="45720" rtlCol="0"/>
+          <a:lstStyle/>
+          <a:p>
+            <a:pPr lvl="0"/>
+            <a:r>
+              <a:rPr lang="en-US" smtClean="0"/>
+              <a:t>Click to edit Master text styles</a:t>
+            </a:r>
+          </a:p>
+          <a:p>
+            <a:pPr lvl="1"/>
+            <a:r>
+              <a:rPr lang="en-US" smtClean="0"/>
+              <a:t>Second level</a:t>
+            </a:r>
+          </a:p>
+          <a:p>
+            <a:pPr lvl="2"/>
+            <a:r>
+              <a:rPr lang="en-US" smtClean="0"/>
+              <a:t>Third level</a:t>
+            </a:r>
+          </a:p>
+          <a:p>
+            <a:pPr lvl="3"/>
+            <a:r>
+              <a:rPr lang="en-US" smtClean="0"/>
+              <a:t>Fourth level</a:t>
+            </a:r>
+          </a:p>
+          <a:p>
+            <a:pPr lvl="4"/>
+            <a:r>
+              <a:rPr lang="en-US" smtClean="0"/>
+              <a:t>Fifth level</a:t>
+            </a:r>
+            <a:endParaRPr lang="en-US"/>
+          </a:p>
+        </p:txBody>
+      </p:sp>
+      <p:sp>
+        <p:nvSpPr>
+          <p:cNvPr id="6" name="Footer Placeholder 5"/>
+          <p:cNvSpPr>
+            <a:spLocks noGrp="1"/>
+          </p:cNvSpPr>
+          <p:nvPr>
+            <p:ph type="ftr" sz="quarter" idx="4"/>
+          </p:nvPr>
+        </p:nvSpPr>
+        <p:spPr>
+          <a:xfrm>
+            <a:off x="0" y="8829675"/>
+            <a:ext cx="3038475" cy="466725"/>
+          </a:xfrm>
+          <a:prstGeom prst="rect">
+            <a:avLst/>
+          </a:prstGeom>
+        </p:spPr>
+        <p:txBody>
+          <a:bodyPr vert="horz" lIns="91440" tIns="45720" rIns="91440" bIns="45720" rtlCol="0" anchor="b"/>
+          <a:lstStyle>
+            <a:lvl1pPr algn="l">
+              <a:defRPr sz="1200"/>
+            </a:lvl1pPr>
+          </a:lstStyle>
+          <a:p>
+            <a:r>
+              <a:rPr lang="en-US" smtClean="0"/>
+              <a:t>Health Sciences &amp; Human Services Library</a:t>
+            </a:r>
+            <a:endParaRPr lang="en-US"/>
+          </a:p>
+        </p:txBody>
+      </p:sp>
+      <p:sp>
+        <p:nvSpPr>
+          <p:cNvPr id="7" name="Slide Number Placeholder 6"/>
+          <p:cNvSpPr>
+            <a:spLocks noGrp="1"/>
+          </p:cNvSpPr>
+          <p:nvPr>
+            <p:ph type="sldNum" sz="quarter" idx="5"/>
+          </p:nvPr>
+        </p:nvSpPr>
+        <p:spPr>
+          <a:xfrm>
+            <a:off x="3970338" y="8829675"/>
+            <a:ext cx="3038475" cy="466725"/>
+          </a:xfrm>
+          <a:prstGeom prst="rect">
+            <a:avLst/>
+          </a:prstGeom>
+        </p:spPr>
+        <p:txBody>
+          <a:bodyPr vert="horz" lIns="91440" tIns="45720" rIns="91440" bIns="45720" rtlCol="0" anchor="b"/>
+          <a:lstStyle>
+            <a:lvl1pPr algn="r">
+              <a:defRPr sz="1200"/>
+            </a:lvl1pPr>
+          </a:lstStyle>
+          <a:p>
+            <a:fld id="{EC45C073-11FE-456F-A4D2-BCFE629E1F06}" type="slidenum">
+              <a:rPr lang="en-US" smtClean="0"/>
+              <a:t>‹#›</a:t>
+            </a:fld>
+            <a:endParaRPr lang="en-US"/>
+          </a:p>
+        </p:txBody>
+      </p:sp>
+    </p:spTree>
+    <p:extLst>
+      <p:ext uri="{BB962C8B-B14F-4D97-AF65-F5344CB8AC3E}">
+        <p14:creationId xmlns:p14="http://schemas.microsoft.com/office/powerpoint/2010/main" val="1338365261"/>
+      </p:ext>
+    </p:extLst>
+  </p:cSld>
+  <p:clrMap bg1="lt1" tx1="dk1" bg2="lt2" tx2="dk2" accent1="accent1" accent2="accent2" accent3="accent3" accent4="accent4" accent5="accent5" accent6="accent6" hlink="hlink" folHlink="folHlink"/>
+  <p:hf/>
+  <p:notesStyle>
+    <a:lvl1pPr marL="0" algn="l" defTabSz="914400" rtl="0" eaLnBrk="1" latinLnBrk="0" hangingPunct="1">
+      <a:defRPr sz="1200" kern="1200">
+        <a:solidFill>
+          <a:schemeClr val="tx1"/>
+        </a:solidFill>
+        <a:latin typeface="+mn-lt"/>
+        <a:ea typeface="+mn-ea"/>
+        <a:cs typeface="+mn-cs"/>
+      </a:defRPr>
+    </a:lvl1pPr>
+    <a:lvl2pPr marL="457200" algn="l" defTabSz="914400" rtl="0" eaLnBrk="1" latinLnBrk="0" hangingPunct="1">
+      <a:defRPr sz="1200" kern="1200">
+        <a:solidFill>
+          <a:schemeClr val="tx1"/>
+        </a:solidFill>
+        <a:latin typeface="+mn-lt"/>
+        <a:ea typeface="+mn-ea"/>
+        <a:cs typeface="+mn-cs"/>
+      </a:defRPr>
+    </a:lvl2pPr>
+    <a:lvl3pPr marL="914400" algn="l" defTabSz="914400" rtl="0" eaLnBrk="1" latinLnBrk="0" hangingPunct="1">
+      <a:defRPr sz="1200" kern="1200">
+        <a:solidFill>
+          <a:schemeClr val="tx1"/>
+        </a:solidFill>
+        <a:latin typeface="+mn-lt"/>
+        <a:ea typeface="+mn-ea"/>
+        <a:cs typeface="+mn-cs"/>
+      </a:defRPr>
+    </a:lvl3pPr>
+    <a:lvl4pPr marL="1371600" algn="l" defTabSz="914400" rtl="0" eaLnBrk="1" latinLnBrk="0" hangingPunct="1">
+      <a:defRPr sz="1200" kern="1200">
+        <a:solidFill>
+          <a:schemeClr val="tx1"/>
+        </a:solidFill>
+        <a:latin typeface="+mn-lt"/>
+        <a:ea typeface="+mn-ea"/>
+        <a:cs typeface="+mn-cs"/>
+      </a:defRPr>
+    </a:lvl4pPr>
+    <a:lvl5pPr marL="1828800" algn="l" defTabSz="914400" rtl="0" eaLnBrk="1" latinLnBrk="0" hangingPunct="1">
+      <a:defRPr sz="1200" kern="1200">
+        <a:solidFill>
+          <a:schemeClr val="tx1"/>
+        </a:solidFill>
+        <a:latin typeface="+mn-lt"/>
+        <a:ea typeface="+mn-ea"/>
+        <a:cs typeface="+mn-cs"/>
+      </a:defRPr>
+    </a:lvl5pPr>
+    <a:lvl6pPr marL="2286000" algn="l" defTabSz="914400" rtl="0" eaLnBrk="1" latinLnBrk="0" hangingPunct="1">
+      <a:defRPr sz="1200" kern="1200">
+        <a:solidFill>
+          <a:schemeClr val="tx1"/>
+        </a:solidFill>
+        <a:latin typeface="+mn-lt"/>
+        <a:ea typeface="+mn-ea"/>
+        <a:cs typeface="+mn-cs"/>
+      </a:defRPr>
+    </a:lvl6pPr>
+    <a:lvl7pPr marL="2743200" algn="l" defTabSz="914400" rtl="0" eaLnBrk="1" latinLnBrk="0" hangingPunct="1">
+      <a:defRPr sz="1200" kern="1200">
+        <a:solidFill>
+          <a:schemeClr val="tx1"/>
+        </a:solidFill>
+        <a:latin typeface="+mn-lt"/>
+        <a:ea typeface="+mn-ea"/>
+        <a:cs typeface="+mn-cs"/>
+      </a:defRPr>
+    </a:lvl7pPr>
+    <a:lvl8pPr marL="3200400" algn="l" defTabSz="914400" rtl="0" eaLnBrk="1" latinLnBrk="0" hangingPunct="1">
+      <a:defRPr sz="1200" kern="1200">
+        <a:solidFill>
+          <a:schemeClr val="tx1"/>
+        </a:solidFill>
+        <a:latin typeface="+mn-lt"/>
+        <a:ea typeface="+mn-ea"/>
+        <a:cs typeface="+mn-cs"/>
+      </a:defRPr>
+    </a:lvl8pPr>
+    <a:lvl9pPr marL="3657600" algn="l" defTabSz="914400" rtl="0" eaLnBrk="1" latinLnBrk="0" hangingPunct="1">
+      <a:defRPr sz="1200" kern="1200">
+        <a:solidFill>
+          <a:schemeClr val="tx1"/>
+        </a:solidFill>
+        <a:latin typeface="+mn-lt"/>
+        <a:ea typeface="+mn-ea"/>
+        <a:cs typeface="+mn-cs"/>
+      </a:defRPr>
+    </a:lvl9pPr>
+  </p:notesStyle>
+</p:notesMaster>
+</file>
+
+<file path=ppt/notesSlides/notesSlide1.xml><?xml version="1.0" encoding="utf-8"?>
+<p:notes xmlns:a="http://schemas.openxmlformats.org/drawingml/2006/main" xmlns:r="http://schemas.openxmlformats.org/officeDocument/2006/relationships" xmlns:p="http://schemas.openxmlformats.org/presentationml/2006/main">
+  <p:cSld>
+    <p:spTree>
+      <p:nvGrpSpPr>
+        <p:cNvPr id="1" name=""/>
+        <p:cNvGrpSpPr/>
+        <p:nvPr/>
+      </p:nvGrpSpPr>
+      <p:grpSpPr>
+        <a:xfrm>
+          <a:off x="0" y="0"/>
+          <a:ext cx="0" cy="0"/>
+          <a:chOff x="0" y="0"/>
+          <a:chExt cx="0" cy="0"/>
+        </a:xfrm>
+      </p:grpSpPr>
+      <p:sp>
+        <p:nvSpPr>
+          <p:cNvPr id="2" name="Slide Image Placeholder 1"/>
+          <p:cNvSpPr>
+            <a:spLocks noGrp="1" noRot="1" noChangeAspect="1"/>
+          </p:cNvSpPr>
+          <p:nvPr>
+            <p:ph type="sldImg"/>
+          </p:nvPr>
+        </p:nvSpPr>
+        <p:spPr/>
+      </p:sp>
+      <p:sp>
+        <p:nvSpPr>
+          <p:cNvPr id="3" name="Notes Placeholder 2"/>
+          <p:cNvSpPr>
+            <a:spLocks noGrp="1"/>
+          </p:cNvSpPr>
+          <p:nvPr>
+            <p:ph type="body" idx="1"/>
+          </p:nvPr>
+        </p:nvSpPr>
+        <p:spPr/>
+        <p:txBody>
+          <a:bodyPr/>
+          <a:lstStyle/>
+          <a:p>
+            <a:endParaRPr lang="en-US"/>
+          </a:p>
+        </p:txBody>
+      </p:sp>
+      <p:sp>
+        <p:nvSpPr>
+          <p:cNvPr id="4" name="Slide Number Placeholder 3"/>
+          <p:cNvSpPr>
+            <a:spLocks noGrp="1"/>
+          </p:cNvSpPr>
+          <p:nvPr>
+            <p:ph type="sldNum" sz="quarter" idx="10"/>
+          </p:nvPr>
+        </p:nvSpPr>
+        <p:spPr/>
+        <p:txBody>
+          <a:bodyPr/>
+          <a:lstStyle/>
+          <a:p>
+            <a:fld id="{EC45C073-11FE-456F-A4D2-BCFE629E1F06}" type="slidenum">
+              <a:rPr lang="en-US" smtClean="0"/>
+              <a:t>21</a:t>
+            </a:fld>
+            <a:endParaRPr lang="en-US"/>
+          </a:p>
+        </p:txBody>
+      </p:sp>
+      <p:sp>
+        <p:nvSpPr>
+          <p:cNvPr id="5" name="Date Placeholder 4"/>
+          <p:cNvSpPr>
+            <a:spLocks noGrp="1"/>
+          </p:cNvSpPr>
+          <p:nvPr>
+            <p:ph type="dt" idx="11"/>
+          </p:nvPr>
+        </p:nvSpPr>
+        <p:spPr/>
+        <p:txBody>
+          <a:bodyPr/>
+          <a:lstStyle/>
+          <a:p>
+            <a:endParaRPr lang="en-US"/>
+          </a:p>
+        </p:txBody>
+      </p:sp>
+      <p:sp>
+        <p:nvSpPr>
+          <p:cNvPr id="6" name="Footer Placeholder 5"/>
+          <p:cNvSpPr>
+            <a:spLocks noGrp="1"/>
+          </p:cNvSpPr>
+          <p:nvPr>
+            <p:ph type="ftr" sz="quarter" idx="12"/>
+          </p:nvPr>
+        </p:nvSpPr>
+        <p:spPr/>
+        <p:txBody>
+          <a:bodyPr/>
+          <a:lstStyle/>
+          <a:p>
+            <a:r>
+              <a:rPr lang="en-US" smtClean="0"/>
+              <a:t>Health Sciences &amp; Human Services Library</a:t>
+            </a:r>
+            <a:endParaRPr lang="en-US"/>
+          </a:p>
+        </p:txBody>
+      </p:sp>
+      <p:sp>
+        <p:nvSpPr>
+          <p:cNvPr id="7" name="Header Placeholder 6"/>
+          <p:cNvSpPr>
+            <a:spLocks noGrp="1"/>
+          </p:cNvSpPr>
+          <p:nvPr>
+            <p:ph type="hdr" sz="quarter" idx="13"/>
+          </p:nvPr>
+        </p:nvSpPr>
+        <p:spPr/>
+        <p:txBody>
+          <a:bodyPr/>
+          <a:lstStyle/>
+          <a:p>
+            <a:r>
+              <a:rPr lang="en-US" smtClean="0"/>
+              <a:t>Using GitHub.com to Manage Scholarly Work</a:t>
+            </a:r>
+            <a:endParaRPr lang="en-US"/>
+          </a:p>
+        </p:txBody>
+      </p:sp>
+    </p:spTree>
+    <p:extLst>
+      <p:ext uri="{BB962C8B-B14F-4D97-AF65-F5344CB8AC3E}">
+        <p14:creationId xmlns:p14="http://schemas.microsoft.com/office/powerpoint/2010/main" val="3824395664"/>
+      </p:ext>
+    </p:extLst>
+  </p:cSld>
+  <p:clrMapOvr>
+    <a:masterClrMapping/>
+  </p:clrMapOvr>
+</p:notes>
 </file>
 
 <file path=ppt/slideLayouts/slideLayout1.xml><?xml version="1.0" encoding="utf-8"?>
@@ -494,7 +1006,7 @@
           <a:p>
             <a:fld id="{8BBF7847-DFA4-43F9-8C4F-6247C0D4A024}" type="datetimeFigureOut">
               <a:rPr lang="en-US" smtClean="0"/>
-              <a:t>3/8/17</a:t>
+              <a:t>3/8/2017</a:t>
             </a:fld>
             <a:endParaRPr lang="en-US"/>
           </a:p>
@@ -664,7 +1176,7 @@
           <a:p>
             <a:fld id="{8BBF7847-DFA4-43F9-8C4F-6247C0D4A024}" type="datetimeFigureOut">
               <a:rPr lang="en-US" smtClean="0"/>
-              <a:t>3/8/17</a:t>
+              <a:t>3/8/2017</a:t>
             </a:fld>
             <a:endParaRPr lang="en-US"/>
           </a:p>
@@ -844,7 +1356,7 @@
           <a:p>
             <a:fld id="{8BBF7847-DFA4-43F9-8C4F-6247C0D4A024}" type="datetimeFigureOut">
               <a:rPr lang="en-US" smtClean="0"/>
-              <a:t>3/8/17</a:t>
+              <a:t>3/8/2017</a:t>
             </a:fld>
             <a:endParaRPr lang="en-US"/>
           </a:p>
@@ -1014,7 +1526,7 @@
           <a:p>
             <a:fld id="{8BBF7847-DFA4-43F9-8C4F-6247C0D4A024}" type="datetimeFigureOut">
               <a:rPr lang="en-US" smtClean="0"/>
-              <a:t>3/8/17</a:t>
+              <a:t>3/8/2017</a:t>
             </a:fld>
             <a:endParaRPr lang="en-US"/>
           </a:p>
@@ -1260,7 +1772,7 @@
           <a:p>
             <a:fld id="{8BBF7847-DFA4-43F9-8C4F-6247C0D4A024}" type="datetimeFigureOut">
               <a:rPr lang="en-US" smtClean="0"/>
-              <a:t>3/8/17</a:t>
+              <a:t>3/8/2017</a:t>
             </a:fld>
             <a:endParaRPr lang="en-US"/>
           </a:p>
@@ -1548,7 +2060,7 @@
           <a:p>
             <a:fld id="{8BBF7847-DFA4-43F9-8C4F-6247C0D4A024}" type="datetimeFigureOut">
               <a:rPr lang="en-US" smtClean="0"/>
-              <a:t>3/8/17</a:t>
+              <a:t>3/8/2017</a:t>
             </a:fld>
             <a:endParaRPr lang="en-US"/>
           </a:p>
@@ -1970,7 +2482,7 @@
           <a:p>
             <a:fld id="{8BBF7847-DFA4-43F9-8C4F-6247C0D4A024}" type="datetimeFigureOut">
               <a:rPr lang="en-US" smtClean="0"/>
-              <a:t>3/8/17</a:t>
+              <a:t>3/8/2017</a:t>
             </a:fld>
             <a:endParaRPr lang="en-US"/>
           </a:p>
@@ -2088,7 +2600,7 @@
           <a:p>
             <a:fld id="{8BBF7847-DFA4-43F9-8C4F-6247C0D4A024}" type="datetimeFigureOut">
               <a:rPr lang="en-US" smtClean="0"/>
-              <a:t>3/8/17</a:t>
+              <a:t>3/8/2017</a:t>
             </a:fld>
             <a:endParaRPr lang="en-US"/>
           </a:p>
@@ -2183,7 +2695,7 @@
           <a:p>
             <a:fld id="{8BBF7847-DFA4-43F9-8C4F-6247C0D4A024}" type="datetimeFigureOut">
               <a:rPr lang="en-US" smtClean="0"/>
-              <a:t>3/8/17</a:t>
+              <a:t>3/8/2017</a:t>
             </a:fld>
             <a:endParaRPr lang="en-US"/>
           </a:p>
@@ -2460,7 +2972,7 @@
           <a:p>
             <a:fld id="{8BBF7847-DFA4-43F9-8C4F-6247C0D4A024}" type="datetimeFigureOut">
               <a:rPr lang="en-US" smtClean="0"/>
-              <a:t>3/8/17</a:t>
+              <a:t>3/8/2017</a:t>
             </a:fld>
             <a:endParaRPr lang="en-US"/>
           </a:p>
@@ -2713,7 +3225,7 @@
           <a:p>
             <a:fld id="{8BBF7847-DFA4-43F9-8C4F-6247C0D4A024}" type="datetimeFigureOut">
               <a:rPr lang="en-US" smtClean="0"/>
-              <a:t>3/8/17</a:t>
+              <a:t>3/8/2017</a:t>
             </a:fld>
             <a:endParaRPr lang="en-US"/>
           </a:p>
@@ -2926,7 +3438,7 @@
           <a:p>
             <a:fld id="{8BBF7847-DFA4-43F9-8C4F-6247C0D4A024}" type="datetimeFigureOut">
               <a:rPr lang="en-US" smtClean="0"/>
-              <a:t>3/8/17</a:t>
+              <a:t>3/8/2017</a:t>
             </a:fld>
             <a:endParaRPr lang="en-US"/>
           </a:p>
@@ -3803,11 +4315,7 @@
             </a:pPr>
             <a:r>
               <a:rPr lang="en-US" sz="2600" dirty="0" smtClean="0"/>
-              <a:t>Clone or </a:t>
-            </a:r>
-            <a:r>
-              <a:rPr lang="en-US" sz="2600" dirty="0" smtClean="0"/>
-              <a:t>Fork = </a:t>
+              <a:t>Clone or Fork = </a:t>
             </a:r>
             <a:r>
               <a:rPr lang="en-US" sz="2600" dirty="0"/>
@@ -5681,19 +6189,7 @@
             <a:pPr algn="ctr"/>
             <a:r>
               <a:rPr lang="en-US" sz="2000" dirty="0" smtClean="0"/>
-              <a:t>The </a:t>
-            </a:r>
-            <a:r>
-              <a:rPr lang="en-US" sz="2000" dirty="0" smtClean="0"/>
-              <a:t>“Branch” menu inside </a:t>
-            </a:r>
-            <a:r>
-              <a:rPr lang="en-US" sz="2000" dirty="0" smtClean="0"/>
-              <a:t>a </a:t>
-            </a:r>
-            <a:r>
-              <a:rPr lang="en-US" sz="2000" dirty="0" smtClean="0"/>
-              <a:t>repository; “master” branch is currently checked</a:t>
+              <a:t>The “Branch” menu inside a repository; “master” branch is currently checked</a:t>
             </a:r>
             <a:endParaRPr lang="en-US" sz="2000" dirty="0"/>
           </a:p>
@@ -5887,7 +6383,7 @@
             </a:r>
             <a:r>
               <a:rPr lang="en-US" sz="3200" dirty="0" smtClean="0">
-                <a:hlinkClick r:id="rId2"/>
+                <a:hlinkClick r:id="rId3"/>
               </a:rPr>
               <a:t>github.com</a:t>
             </a:r>
@@ -5919,7 +6415,7 @@
             </a:r>
             <a:r>
               <a:rPr lang="en-US" sz="3200" dirty="0" smtClean="0">
-                <a:hlinkClick r:id="rId3"/>
+                <a:hlinkClick r:id="rId4"/>
               </a:rPr>
               <a:t>desktop.github.com</a:t>
             </a:r>
@@ -6050,11 +6546,7 @@
             </a:pPr>
             <a:r>
               <a:rPr lang="en-US" sz="2400" dirty="0" smtClean="0"/>
-              <a:t>GitHub </a:t>
-            </a:r>
-            <a:r>
-              <a:rPr lang="en-US" sz="2400" dirty="0" smtClean="0"/>
-              <a:t>FAQ</a:t>
+              <a:t>GitHub FAQ</a:t>
             </a:r>
             <a:br>
               <a:rPr lang="en-US" sz="2400" dirty="0" smtClean="0"/>
@@ -6063,19 +6555,7 @@
               <a:rPr lang="en-US" sz="2400" dirty="0" smtClean="0">
                 <a:hlinkClick r:id="rId2"/>
               </a:rPr>
-              <a:t>https://</a:t>
-            </a:r>
-            <a:r>
-              <a:rPr lang="en-US" sz="2400" dirty="0" smtClean="0">
-                <a:hlinkClick r:id="rId2"/>
-              </a:rPr>
-              <a:t>help</a:t>
-            </a:r>
-            <a:r>
-              <a:rPr lang="en-US" sz="2400" dirty="0" smtClean="0">
-                <a:hlinkClick r:id="rId2"/>
-              </a:rPr>
-              <a:t>.github.com</a:t>
+              <a:t>https://help.github.com</a:t>
             </a:r>
             <a:r>
               <a:rPr lang="en-US" sz="2400" dirty="0" smtClean="0"/>
@@ -6157,7 +6637,7 @@
               <a:rPr lang="en-US" sz="2400" dirty="0" smtClean="0">
                 <a:hlinkClick r:id="rId4"/>
               </a:rPr>
-              <a:t>www.youtube.com/user/GitHubGuides</a:t>
+              <a:t>www.youtube.com/githubguides</a:t>
             </a:r>
             <a:r>
               <a:rPr lang="en-US" sz="2400" dirty="0" smtClean="0"/>
@@ -6179,7 +6659,11 @@
             </a:r>
             <a:r>
               <a:rPr lang="en-US" sz="2400" dirty="0" smtClean="0"/>
-              <a:t>Pages (the free web hosting part of GitHub)</a:t>
+              <a:t>Pages (GitHub’s free web </a:t>
+            </a:r>
+            <a:r>
+              <a:rPr lang="en-US" sz="2400" smtClean="0"/>
+              <a:t>hosting service)</a:t>
             </a:r>
             <a:r>
               <a:rPr lang="en-US" sz="2400" dirty="0"/>
@@ -6220,11 +6704,7 @@
             </a:r>
             <a:r>
               <a:rPr lang="en-US" sz="2400" dirty="0" smtClean="0"/>
-              <a:t> </a:t>
-            </a:r>
-            <a:r>
-              <a:rPr lang="en-US" sz="2400" dirty="0" smtClean="0"/>
-              <a:t>documentation</a:t>
+              <a:t> documentation</a:t>
             </a:r>
             <a:r>
               <a:rPr lang="en-US" sz="2400" dirty="0"/>
@@ -7576,6 +8056,267 @@
         <a:sysClr val="window" lastClr="FFFFFF"/>
       </a:lt1>
       <a:dk2>
+        <a:srgbClr val="44546A"/>
+      </a:dk2>
+      <a:lt2>
+        <a:srgbClr val="E7E6E6"/>
+      </a:lt2>
+      <a:accent1>
+        <a:srgbClr val="5B9BD5"/>
+      </a:accent1>
+      <a:accent2>
+        <a:srgbClr val="ED7D31"/>
+      </a:accent2>
+      <a:accent3>
+        <a:srgbClr val="A5A5A5"/>
+      </a:accent3>
+      <a:accent4>
+        <a:srgbClr val="FFC000"/>
+      </a:accent4>
+      <a:accent5>
+        <a:srgbClr val="4472C4"/>
+      </a:accent5>
+      <a:accent6>
+        <a:srgbClr val="70AD47"/>
+      </a:accent6>
+      <a:hlink>
+        <a:srgbClr val="0563C1"/>
+      </a:hlink>
+      <a:folHlink>
+        <a:srgbClr val="954F72"/>
+      </a:folHlink>
+    </a:clrScheme>
+    <a:fontScheme name="Office">
+      <a:majorFont>
+        <a:latin typeface="Calibri Light" panose="020F0302020204030204"/>
+        <a:ea typeface=""/>
+        <a:cs typeface=""/>
+        <a:font script="Jpan" typeface="ＭＳ Ｐゴシック"/>
+        <a:font script="Hang" typeface="맑은 고딕"/>
+        <a:font script="Hans" typeface="宋体"/>
+        <a:font script="Hant" typeface="新細明體"/>
+        <a:font script="Arab" typeface="Times New Roman"/>
+        <a:font script="Hebr" typeface="Times New Roman"/>
+        <a:font script="Thai" typeface="Angsana New"/>
+        <a:font script="Ethi" typeface="Nyala"/>
+        <a:font script="Beng" typeface="Vrinda"/>
+        <a:font script="Gujr" typeface="Shruti"/>
+        <a:font script="Khmr" typeface="MoolBoran"/>
+        <a:font script="Knda" typeface="Tunga"/>
+        <a:font script="Guru" typeface="Raavi"/>
+        <a:font script="Cans" typeface="Euphemia"/>
+        <a:font script="Cher" typeface="Plantagenet Cherokee"/>
+        <a:font script="Yiii" typeface="Microsoft Yi Baiti"/>
+        <a:font script="Tibt" typeface="Microsoft Himalaya"/>
+        <a:font script="Thaa" typeface="MV Boli"/>
+        <a:font script="Deva" typeface="Mangal"/>
+        <a:font script="Telu" typeface="Gautami"/>
+        <a:font script="Taml" typeface="Latha"/>
+        <a:font script="Syrc" typeface="Estrangelo Edessa"/>
+        <a:font script="Orya" typeface="Kalinga"/>
+        <a:font script="Mlym" typeface="Kartika"/>
+        <a:font script="Laoo" typeface="DokChampa"/>
+        <a:font script="Sinh" typeface="Iskoola Pota"/>
+        <a:font script="Mong" typeface="Mongolian Baiti"/>
+        <a:font script="Viet" typeface="Times New Roman"/>
+        <a:font script="Uigh" typeface="Microsoft Uighur"/>
+        <a:font script="Geor" typeface="Sylfaen"/>
+      </a:majorFont>
+      <a:minorFont>
+        <a:latin typeface="Calibri" panose="020F0502020204030204"/>
+        <a:ea typeface=""/>
+        <a:cs typeface=""/>
+        <a:font script="Jpan" typeface="ＭＳ Ｐゴシック"/>
+        <a:font script="Hang" typeface="맑은 고딕"/>
+        <a:font script="Hans" typeface="宋体"/>
+        <a:font script="Hant" typeface="新細明體"/>
+        <a:font script="Arab" typeface="Arial"/>
+        <a:font script="Hebr" typeface="Arial"/>
+        <a:font script="Thai" typeface="Cordia New"/>
+        <a:font script="Ethi" typeface="Nyala"/>
+        <a:font script="Beng" typeface="Vrinda"/>
+        <a:font script="Gujr" typeface="Shruti"/>
+        <a:font script="Khmr" typeface="DaunPenh"/>
+        <a:font script="Knda" typeface="Tunga"/>
+        <a:font script="Guru" typeface="Raavi"/>
+        <a:font script="Cans" typeface="Euphemia"/>
+        <a:font script="Cher" typeface="Plantagenet Cherokee"/>
+        <a:font script="Yiii" typeface="Microsoft Yi Baiti"/>
+        <a:font script="Tibt" typeface="Microsoft Himalaya"/>
+        <a:font script="Thaa" typeface="MV Boli"/>
+        <a:font script="Deva" typeface="Mangal"/>
+        <a:font script="Telu" typeface="Gautami"/>
+        <a:font script="Taml" typeface="Latha"/>
+        <a:font script="Syrc" typeface="Estrangelo Edessa"/>
+        <a:font script="Orya" typeface="Kalinga"/>
+        <a:font script="Mlym" typeface="Kartika"/>
+        <a:font script="Laoo" typeface="DokChampa"/>
+        <a:font script="Sinh" typeface="Iskoola Pota"/>
+        <a:font script="Mong" typeface="Mongolian Baiti"/>
+        <a:font script="Viet" typeface="Arial"/>
+        <a:font script="Uigh" typeface="Microsoft Uighur"/>
+        <a:font script="Geor" typeface="Sylfaen"/>
+      </a:minorFont>
+    </a:fontScheme>
+    <a:fmtScheme name="Office">
+      <a:fillStyleLst>
+        <a:solidFill>
+          <a:schemeClr val="phClr"/>
+        </a:solidFill>
+        <a:gradFill rotWithShape="1">
+          <a:gsLst>
+            <a:gs pos="0">
+              <a:schemeClr val="phClr">
+                <a:lumMod val="110000"/>
+                <a:satMod val="105000"/>
+                <a:tint val="67000"/>
+              </a:schemeClr>
+            </a:gs>
+            <a:gs pos="50000">
+              <a:schemeClr val="phClr">
+                <a:lumMod val="105000"/>
+                <a:satMod val="103000"/>
+                <a:tint val="73000"/>
+              </a:schemeClr>
+            </a:gs>
+            <a:gs pos="100000">
+              <a:schemeClr val="phClr">
+                <a:lumMod val="105000"/>
+                <a:satMod val="109000"/>
+                <a:tint val="81000"/>
+              </a:schemeClr>
+            </a:gs>
+          </a:gsLst>
+          <a:lin ang="5400000" scaled="0"/>
+        </a:gradFill>
+        <a:gradFill rotWithShape="1">
+          <a:gsLst>
+            <a:gs pos="0">
+              <a:schemeClr val="phClr">
+                <a:satMod val="103000"/>
+                <a:lumMod val="102000"/>
+                <a:tint val="94000"/>
+              </a:schemeClr>
+            </a:gs>
+            <a:gs pos="50000">
+              <a:schemeClr val="phClr">
+                <a:satMod val="110000"/>
+                <a:lumMod val="100000"/>
+                <a:shade val="100000"/>
+              </a:schemeClr>
+            </a:gs>
+            <a:gs pos="100000">
+              <a:schemeClr val="phClr">
+                <a:lumMod val="99000"/>
+                <a:satMod val="120000"/>
+                <a:shade val="78000"/>
+              </a:schemeClr>
+            </a:gs>
+          </a:gsLst>
+          <a:lin ang="5400000" scaled="0"/>
+        </a:gradFill>
+      </a:fillStyleLst>
+      <a:lnStyleLst>
+        <a:ln w="6350" cap="flat" cmpd="sng" algn="ctr">
+          <a:solidFill>
+            <a:schemeClr val="phClr"/>
+          </a:solidFill>
+          <a:prstDash val="solid"/>
+          <a:miter lim="800000"/>
+        </a:ln>
+        <a:ln w="12700" cap="flat" cmpd="sng" algn="ctr">
+          <a:solidFill>
+            <a:schemeClr val="phClr"/>
+          </a:solidFill>
+          <a:prstDash val="solid"/>
+          <a:miter lim="800000"/>
+        </a:ln>
+        <a:ln w="19050" cap="flat" cmpd="sng" algn="ctr">
+          <a:solidFill>
+            <a:schemeClr val="phClr"/>
+          </a:solidFill>
+          <a:prstDash val="solid"/>
+          <a:miter lim="800000"/>
+        </a:ln>
+      </a:lnStyleLst>
+      <a:effectStyleLst>
+        <a:effectStyle>
+          <a:effectLst/>
+        </a:effectStyle>
+        <a:effectStyle>
+          <a:effectLst/>
+        </a:effectStyle>
+        <a:effectStyle>
+          <a:effectLst>
+            <a:outerShdw blurRad="57150" dist="19050" dir="5400000" algn="ctr" rotWithShape="0">
+              <a:srgbClr val="000000">
+                <a:alpha val="63000"/>
+              </a:srgbClr>
+            </a:outerShdw>
+          </a:effectLst>
+        </a:effectStyle>
+      </a:effectStyleLst>
+      <a:bgFillStyleLst>
+        <a:solidFill>
+          <a:schemeClr val="phClr"/>
+        </a:solidFill>
+        <a:solidFill>
+          <a:schemeClr val="phClr">
+            <a:tint val="95000"/>
+            <a:satMod val="170000"/>
+          </a:schemeClr>
+        </a:solidFill>
+        <a:gradFill rotWithShape="1">
+          <a:gsLst>
+            <a:gs pos="0">
+              <a:schemeClr val="phClr">
+                <a:tint val="93000"/>
+                <a:satMod val="150000"/>
+                <a:shade val="98000"/>
+                <a:lumMod val="102000"/>
+              </a:schemeClr>
+            </a:gs>
+            <a:gs pos="50000">
+              <a:schemeClr val="phClr">
+                <a:tint val="98000"/>
+                <a:satMod val="130000"/>
+                <a:shade val="90000"/>
+                <a:lumMod val="103000"/>
+              </a:schemeClr>
+            </a:gs>
+            <a:gs pos="100000">
+              <a:schemeClr val="phClr">
+                <a:shade val="63000"/>
+                <a:satMod val="120000"/>
+              </a:schemeClr>
+            </a:gs>
+          </a:gsLst>
+          <a:lin ang="5400000" scaled="0"/>
+        </a:gradFill>
+      </a:bgFillStyleLst>
+    </a:fmtScheme>
+  </a:themeElements>
+  <a:objectDefaults/>
+  <a:extraClrSchemeLst/>
+  <a:extLst>
+    <a:ext uri="{05A4C25C-085E-4340-85A3-A5531E510DB2}">
+      <thm15:themeFamily xmlns:thm15="http://schemas.microsoft.com/office/thememl/2012/main" name="Office Theme" id="{62F939B6-93AF-4DB8-9C6B-D6C7DFDC589F}" vid="{4A3C46E8-61CC-4603-A589-7422A47A8E4A}"/>
+    </a:ext>
+  </a:extLst>
+</a:theme>
+</file>
+
+<file path=ppt/theme/theme3.xml><?xml version="1.0" encoding="utf-8"?>
+<a:theme xmlns:a="http://schemas.openxmlformats.org/drawingml/2006/main" name="Office Theme">
+  <a:themeElements>
+    <a:clrScheme name="Office">
+      <a:dk1>
+        <a:sysClr val="windowText" lastClr="000000"/>
+      </a:dk1>
+      <a:lt1>
+        <a:sysClr val="window" lastClr="FFFFFF"/>
+      </a:lt1>
+      <a:dk2>
         <a:srgbClr val="1F497D"/>
       </a:dk2>
       <a:lt2>
